--- a/Geoffrey/ANALYZING THE OSCARS_grf.pptx
+++ b/Geoffrey/ANALYZING THE OSCARS_grf.pptx
@@ -928,7 +928,7 @@
           <a:p>
             <a:fld id="{5A00D5ED-7015-4264-9BFD-2CE1D41834D8}" type="datetimeFigureOut">
               <a:rPr lang="en-US" smtClean="0"/>
-              <a:t>5/4/21</a:t>
+              <a:t>5/6/21</a:t>
             </a:fld>
             <a:endParaRPr lang="en-US"/>
           </a:p>
@@ -1179,7 +1179,7 @@
           <a:p>
             <a:fld id="{5A00D5ED-7015-4264-9BFD-2CE1D41834D8}" type="datetimeFigureOut">
               <a:rPr lang="en-US" smtClean="0"/>
-              <a:t>5/4/21</a:t>
+              <a:t>5/6/21</a:t>
             </a:fld>
             <a:endParaRPr lang="en-US"/>
           </a:p>
@@ -1493,7 +1493,7 @@
           <a:p>
             <a:fld id="{5A00D5ED-7015-4264-9BFD-2CE1D41834D8}" type="datetimeFigureOut">
               <a:rPr lang="en-US" smtClean="0"/>
-              <a:t>5/4/21</a:t>
+              <a:t>5/6/21</a:t>
             </a:fld>
             <a:endParaRPr lang="en-US"/>
           </a:p>
@@ -1826,7 +1826,7 @@
           <a:p>
             <a:fld id="{5A00D5ED-7015-4264-9BFD-2CE1D41834D8}" type="datetimeFigureOut">
               <a:rPr lang="en-US" smtClean="0"/>
-              <a:t>5/4/21</a:t>
+              <a:t>5/6/21</a:t>
             </a:fld>
             <a:endParaRPr lang="en-US"/>
           </a:p>
@@ -2140,7 +2140,7 @@
           <a:p>
             <a:fld id="{5A00D5ED-7015-4264-9BFD-2CE1D41834D8}" type="datetimeFigureOut">
               <a:rPr lang="en-US" smtClean="0"/>
-              <a:t>5/4/21</a:t>
+              <a:t>5/6/21</a:t>
             </a:fld>
             <a:endParaRPr lang="en-US"/>
           </a:p>
@@ -2533,7 +2533,7 @@
           <a:p>
             <a:fld id="{5A00D5ED-7015-4264-9BFD-2CE1D41834D8}" type="datetimeFigureOut">
               <a:rPr lang="en-US" smtClean="0"/>
-              <a:t>5/4/21</a:t>
+              <a:t>5/6/21</a:t>
             </a:fld>
             <a:endParaRPr lang="en-US"/>
           </a:p>
@@ -2703,7 +2703,7 @@
           <a:p>
             <a:fld id="{5A00D5ED-7015-4264-9BFD-2CE1D41834D8}" type="datetimeFigureOut">
               <a:rPr lang="en-US" smtClean="0"/>
-              <a:t>5/4/21</a:t>
+              <a:t>5/6/21</a:t>
             </a:fld>
             <a:endParaRPr lang="en-US"/>
           </a:p>
@@ -2883,7 +2883,7 @@
           <a:p>
             <a:fld id="{5A00D5ED-7015-4264-9BFD-2CE1D41834D8}" type="datetimeFigureOut">
               <a:rPr lang="en-US" smtClean="0"/>
-              <a:t>5/4/21</a:t>
+              <a:t>5/6/21</a:t>
             </a:fld>
             <a:endParaRPr lang="en-US"/>
           </a:p>
@@ -5959,7 +5959,7 @@
           <a:p>
             <a:fld id="{5A00D5ED-7015-4264-9BFD-2CE1D41834D8}" type="datetimeFigureOut">
               <a:rPr lang="en-US" smtClean="0"/>
-              <a:t>5/4/21</a:t>
+              <a:t>5/6/21</a:t>
             </a:fld>
             <a:endParaRPr lang="en-US"/>
           </a:p>
@@ -9805,7 +9805,7 @@
           <a:p>
             <a:fld id="{5A00D5ED-7015-4264-9BFD-2CE1D41834D8}" type="datetimeFigureOut">
               <a:rPr lang="en-US" smtClean="0"/>
-              <a:t>5/4/21</a:t>
+              <a:t>5/6/21</a:t>
             </a:fld>
             <a:endParaRPr lang="en-US"/>
           </a:p>
@@ -10102,7 +10102,7 @@
           <a:p>
             <a:fld id="{5A00D5ED-7015-4264-9BFD-2CE1D41834D8}" type="datetimeFigureOut">
               <a:rPr lang="en-US" smtClean="0"/>
-              <a:t>5/4/21</a:t>
+              <a:t>5/6/21</a:t>
             </a:fld>
             <a:endParaRPr lang="en-US"/>
           </a:p>
@@ -10481,7 +10481,7 @@
           <a:p>
             <a:fld id="{5A00D5ED-7015-4264-9BFD-2CE1D41834D8}" type="datetimeFigureOut">
               <a:rPr lang="en-US" smtClean="0"/>
-              <a:t>5/4/21</a:t>
+              <a:t>5/6/21</a:t>
             </a:fld>
             <a:endParaRPr lang="en-US"/>
           </a:p>
@@ -10604,7 +10604,7 @@
           <a:p>
             <a:fld id="{5A00D5ED-7015-4264-9BFD-2CE1D41834D8}" type="datetimeFigureOut">
               <a:rPr lang="en-US" smtClean="0"/>
-              <a:t>5/4/21</a:t>
+              <a:t>5/6/21</a:t>
             </a:fld>
             <a:endParaRPr lang="en-US"/>
           </a:p>
@@ -10699,7 +10699,7 @@
           <a:p>
             <a:fld id="{5A00D5ED-7015-4264-9BFD-2CE1D41834D8}" type="datetimeFigureOut">
               <a:rPr lang="en-US" smtClean="0"/>
-              <a:t>5/4/21</a:t>
+              <a:t>5/6/21</a:t>
             </a:fld>
             <a:endParaRPr lang="en-US"/>
           </a:p>
@@ -10954,7 +10954,7 @@
           <a:p>
             <a:fld id="{5A00D5ED-7015-4264-9BFD-2CE1D41834D8}" type="datetimeFigureOut">
               <a:rPr lang="en-US" smtClean="0"/>
-              <a:t>5/4/21</a:t>
+              <a:t>5/6/21</a:t>
             </a:fld>
             <a:endParaRPr lang="en-US"/>
           </a:p>
@@ -11217,7 +11217,7 @@
           <a:p>
             <a:fld id="{5A00D5ED-7015-4264-9BFD-2CE1D41834D8}" type="datetimeFigureOut">
               <a:rPr lang="en-US" smtClean="0"/>
-              <a:t>5/4/21</a:t>
+              <a:t>5/6/21</a:t>
             </a:fld>
             <a:endParaRPr lang="en-US"/>
           </a:p>
@@ -12031,7 +12031,7 @@
           <a:p>
             <a:fld id="{5A00D5ED-7015-4264-9BFD-2CE1D41834D8}" type="datetimeFigureOut">
               <a:rPr lang="en-US" smtClean="0"/>
-              <a:t>5/4/21</a:t>
+              <a:t>5/6/21</a:t>
             </a:fld>
             <a:endParaRPr lang="en-US"/>
           </a:p>
@@ -14512,6 +14512,42 @@
           <a:chExt cx="0" cy="0"/>
         </a:xfrm>
       </p:grpSpPr>
+      <p:pic>
+        <p:nvPicPr>
+          <p:cNvPr id="13" name="Graphic 12" descr="Theatre with solid fill">
+            <a:extLst>
+              <a:ext uri="{FF2B5EF4-FFF2-40B4-BE49-F238E27FC236}">
+                <a16:creationId xmlns:a16="http://schemas.microsoft.com/office/drawing/2014/main" id="{A78C5E99-DC33-2543-AC9C-5E578B4EAD55}"/>
+              </a:ext>
+            </a:extLst>
+          </p:cNvPr>
+          <p:cNvPicPr>
+            <a:picLocks noChangeAspect="1"/>
+          </p:cNvPicPr>
+          <p:nvPr/>
+        </p:nvPicPr>
+        <p:blipFill>
+          <a:blip r:embed="rId2">
+            <a:extLst>
+              <a:ext uri="{96DAC541-7B7A-43D3-8B79-37D633B846F1}">
+                <asvg:svgBlip xmlns:asvg="http://schemas.microsoft.com/office/drawing/2016/SVG/main" r:embed="rId3"/>
+              </a:ext>
+            </a:extLst>
+          </a:blip>
+          <a:stretch>
+            <a:fillRect/>
+          </a:stretch>
+        </p:blipFill>
+        <p:spPr>
+          <a:xfrm>
+            <a:off x="0" y="943897"/>
+            <a:ext cx="7647717" cy="7647717"/>
+          </a:xfrm>
+          <a:prstGeom prst="rect">
+            <a:avLst/>
+          </a:prstGeom>
+        </p:spPr>
+      </p:pic>
       <p:sp>
         <p:nvSpPr>
           <p:cNvPr id="2" name="Title 1">
@@ -14528,43 +14564,115 @@
             <p:ph type="title"/>
           </p:nvPr>
         </p:nvSpPr>
-        <p:spPr/>
+        <p:spPr>
+          <a:xfrm>
+            <a:off x="694157" y="2267537"/>
+            <a:ext cx="6384085" cy="3110164"/>
+          </a:xfrm>
+        </p:spPr>
         <p:txBody>
           <a:bodyPr/>
           <a:lstStyle/>
           <a:p>
             <a:r>
-              <a:rPr lang="en-US" dirty="0"/>
-              <a:t>How well do Movies that win the Best Picture Oscar do in the box office compared to other movies?</a:t>
-            </a:r>
-          </a:p>
-        </p:txBody>
-      </p:sp>
-      <p:sp>
-        <p:nvSpPr>
-          <p:cNvPr id="3" name="Text Placeholder 2">
+              <a:rPr lang="en-US" dirty="0">
+                <a:solidFill>
+                  <a:srgbClr val="FFFF00"/>
+                </a:solidFill>
+              </a:rPr>
+              <a:t>How well do movies that win the </a:t>
+            </a:r>
+            <a:r>
+              <a:rPr lang="en-US" dirty="0">
+                <a:solidFill>
+                  <a:srgbClr val="00B050"/>
+                </a:solidFill>
+              </a:rPr>
+              <a:t>Best Picture Oscar </a:t>
+            </a:r>
+            <a:r>
+              <a:rPr lang="en-US" dirty="0">
+                <a:solidFill>
+                  <a:srgbClr val="FFFF00"/>
+                </a:solidFill>
+              </a:rPr>
+              <a:t>do at the box office compared to other movies?</a:t>
+            </a:r>
+          </a:p>
+        </p:txBody>
+      </p:sp>
+      <p:pic>
+        <p:nvPicPr>
+          <p:cNvPr id="5" name="Graphic 4" descr="Coins with solid fill">
             <a:extLst>
               <a:ext uri="{FF2B5EF4-FFF2-40B4-BE49-F238E27FC236}">
-                <a16:creationId xmlns:a16="http://schemas.microsoft.com/office/drawing/2014/main" id="{66669DBA-CAD1-4991-BAD1-013EE98CF29B}"/>
+                <a16:creationId xmlns:a16="http://schemas.microsoft.com/office/drawing/2014/main" id="{5415866A-2B2A-4240-96D2-E75C25B8FC7D}"/>
               </a:ext>
             </a:extLst>
           </p:cNvPr>
-          <p:cNvSpPr>
-            <a:spLocks noGrp="1"/>
-          </p:cNvSpPr>
-          <p:nvPr>
-            <p:ph type="body" idx="1"/>
-          </p:nvPr>
-        </p:nvSpPr>
-        <p:spPr/>
-        <p:txBody>
-          <a:bodyPr/>
-          <a:lstStyle/>
-          <a:p>
-            <a:endParaRPr lang="en-US"/>
-          </a:p>
-        </p:txBody>
-      </p:sp>
+          <p:cNvPicPr>
+            <a:picLocks noChangeAspect="1"/>
+          </p:cNvPicPr>
+          <p:nvPr/>
+        </p:nvPicPr>
+        <p:blipFill>
+          <a:blip r:embed="rId4">
+            <a:extLst>
+              <a:ext uri="{96DAC541-7B7A-43D3-8B79-37D633B846F1}">
+                <asvg:svgBlip xmlns:asvg="http://schemas.microsoft.com/office/drawing/2016/SVG/main" r:embed="rId5"/>
+              </a:ext>
+            </a:extLst>
+          </a:blip>
+          <a:stretch>
+            <a:fillRect/>
+          </a:stretch>
+        </p:blipFill>
+        <p:spPr>
+          <a:xfrm rot="431172">
+            <a:off x="4167154" y="8357006"/>
+            <a:ext cx="914400" cy="914400"/>
+          </a:xfrm>
+          <a:prstGeom prst="rect">
+            <a:avLst/>
+          </a:prstGeom>
+        </p:spPr>
+      </p:pic>
+      <p:pic>
+        <p:nvPicPr>
+          <p:cNvPr id="7" name="Graphic 6" descr="Money outline">
+            <a:extLst>
+              <a:ext uri="{FF2B5EF4-FFF2-40B4-BE49-F238E27FC236}">
+                <a16:creationId xmlns:a16="http://schemas.microsoft.com/office/drawing/2014/main" id="{BC7F0AF1-CF34-694B-80F6-61D45516A432}"/>
+              </a:ext>
+            </a:extLst>
+          </p:cNvPr>
+          <p:cNvPicPr>
+            <a:picLocks noChangeAspect="1"/>
+          </p:cNvPicPr>
+          <p:nvPr/>
+        </p:nvPicPr>
+        <p:blipFill>
+          <a:blip r:embed="rId6">
+            <a:extLst>
+              <a:ext uri="{96DAC541-7B7A-43D3-8B79-37D633B846F1}">
+                <asvg:svgBlip xmlns:asvg="http://schemas.microsoft.com/office/drawing/2016/SVG/main" r:embed="rId7"/>
+              </a:ext>
+            </a:extLst>
+          </a:blip>
+          <a:stretch>
+            <a:fillRect/>
+          </a:stretch>
+        </p:blipFill>
+        <p:spPr>
+          <a:xfrm rot="20244722">
+            <a:off x="740401" y="7650755"/>
+            <a:ext cx="2086897" cy="2086897"/>
+          </a:xfrm>
+          <a:prstGeom prst="rect">
+            <a:avLst/>
+          </a:prstGeom>
+        </p:spPr>
+      </p:pic>
     </p:spTree>
     <p:extLst>
       <p:ext uri="{BB962C8B-B14F-4D97-AF65-F5344CB8AC3E}">
@@ -14575,6 +14683,92 @@
   <p:clrMapOvr>
     <a:masterClrMapping/>
   </p:clrMapOvr>
+  <p:timing>
+    <p:tnLst>
+      <p:par>
+        <p:cTn id="1" dur="indefinite" restart="never" nodeType="tmRoot">
+          <p:childTnLst>
+            <p:seq concurrent="1" nextAc="seek">
+              <p:cTn id="2" dur="indefinite" nodeType="mainSeq">
+                <p:childTnLst>
+                  <p:par>
+                    <p:cTn id="3" fill="hold">
+                      <p:stCondLst>
+                        <p:cond delay="indefinite"/>
+                      </p:stCondLst>
+                      <p:childTnLst>
+                        <p:par>
+                          <p:cTn id="4" fill="hold">
+                            <p:stCondLst>
+                              <p:cond delay="0"/>
+                            </p:stCondLst>
+                            <p:childTnLst>
+                              <p:par>
+                                <p:cTn id="5" presetID="14" presetClass="entr" presetSubtype="10" fill="hold" grpId="0" nodeType="clickEffect">
+                                  <p:stCondLst>
+                                    <p:cond delay="0"/>
+                                  </p:stCondLst>
+                                  <p:childTnLst>
+                                    <p:set>
+                                      <p:cBhvr>
+                                        <p:cTn id="6" dur="1" fill="hold">
+                                          <p:stCondLst>
+                                            <p:cond delay="0"/>
+                                          </p:stCondLst>
+                                        </p:cTn>
+                                        <p:tgtEl>
+                                          <p:spTgt spid="2"/>
+                                        </p:tgtEl>
+                                        <p:attrNameLst>
+                                          <p:attrName>style.visibility</p:attrName>
+                                        </p:attrNameLst>
+                                      </p:cBhvr>
+                                      <p:to>
+                                        <p:strVal val="visible"/>
+                                      </p:to>
+                                    </p:set>
+                                    <p:animEffect transition="in" filter="randombar(horizontal)">
+                                      <p:cBhvr>
+                                        <p:cTn id="7" dur="1000"/>
+                                        <p:tgtEl>
+                                          <p:spTgt spid="2"/>
+                                        </p:tgtEl>
+                                      </p:cBhvr>
+                                    </p:animEffect>
+                                  </p:childTnLst>
+                                </p:cTn>
+                              </p:par>
+                            </p:childTnLst>
+                          </p:cTn>
+                        </p:par>
+                      </p:childTnLst>
+                    </p:cTn>
+                  </p:par>
+                </p:childTnLst>
+              </p:cTn>
+              <p:prevCondLst>
+                <p:cond evt="onPrev" delay="0">
+                  <p:tgtEl>
+                    <p:sldTgt/>
+                  </p:tgtEl>
+                </p:cond>
+              </p:prevCondLst>
+              <p:nextCondLst>
+                <p:cond evt="onNext" delay="0">
+                  <p:tgtEl>
+                    <p:sldTgt/>
+                  </p:tgtEl>
+                </p:cond>
+              </p:nextCondLst>
+            </p:seq>
+          </p:childTnLst>
+        </p:cTn>
+      </p:par>
+    </p:tnLst>
+    <p:bldLst>
+      <p:bldP spid="2" grpId="0"/>
+    </p:bldLst>
+  </p:timing>
 </p:sld>
 </file>
 
@@ -14595,56 +14789,6 @@
           <a:chExt cx="0" cy="0"/>
         </a:xfrm>
       </p:grpSpPr>
-      <p:sp>
-        <p:nvSpPr>
-          <p:cNvPr id="2" name="Title 1">
-            <a:extLst>
-              <a:ext uri="{FF2B5EF4-FFF2-40B4-BE49-F238E27FC236}">
-                <a16:creationId xmlns:a16="http://schemas.microsoft.com/office/drawing/2014/main" id="{D4A54D17-3E88-EB46-89B0-DAA1213BC35D}"/>
-              </a:ext>
-            </a:extLst>
-          </p:cNvPr>
-          <p:cNvSpPr>
-            <a:spLocks noGrp="1"/>
-          </p:cNvSpPr>
-          <p:nvPr>
-            <p:ph type="title"/>
-          </p:nvPr>
-        </p:nvSpPr>
-        <p:spPr/>
-        <p:txBody>
-          <a:bodyPr/>
-          <a:lstStyle/>
-          <a:p>
-            <a:endParaRPr lang="en-US"/>
-          </a:p>
-        </p:txBody>
-      </p:sp>
-      <p:sp>
-        <p:nvSpPr>
-          <p:cNvPr id="4" name="Text Placeholder 3">
-            <a:extLst>
-              <a:ext uri="{FF2B5EF4-FFF2-40B4-BE49-F238E27FC236}">
-                <a16:creationId xmlns:a16="http://schemas.microsoft.com/office/drawing/2014/main" id="{ACB3FB20-0757-1646-A21E-940330AA33C9}"/>
-              </a:ext>
-            </a:extLst>
-          </p:cNvPr>
-          <p:cNvSpPr>
-            <a:spLocks noGrp="1"/>
-          </p:cNvSpPr>
-          <p:nvPr>
-            <p:ph type="body" sz="half" idx="2"/>
-          </p:nvPr>
-        </p:nvSpPr>
-        <p:spPr/>
-        <p:txBody>
-          <a:bodyPr/>
-          <a:lstStyle/>
-          <a:p>
-            <a:endParaRPr lang="en-US"/>
-          </a:p>
-        </p:txBody>
-      </p:sp>
       <p:pic>
         <p:nvPicPr>
           <p:cNvPr id="1030" name="Picture 6">
@@ -14675,7 +14819,161 @@
         <p:spPr bwMode="auto">
           <a:xfrm>
             <a:off x="214693" y="2078243"/>
-            <a:ext cx="5699023" cy="4091606"/>
+            <a:ext cx="5699023" cy="3673628"/>
+          </a:xfrm>
+          <a:prstGeom prst="rect">
+            <a:avLst/>
+          </a:prstGeom>
+          <a:noFill/>
+          <a:extLst>
+            <a:ext uri="{909E8E84-426E-40DD-AFC4-6F175D3DCCD1}">
+              <a14:hiddenFill xmlns:a14="http://schemas.microsoft.com/office/drawing/2010/main">
+                <a:solidFill>
+                  <a:srgbClr val="FFFFFF"/>
+                </a:solidFill>
+              </a14:hiddenFill>
+            </a:ext>
+          </a:extLst>
+        </p:spPr>
+      </p:pic>
+      <p:sp>
+        <p:nvSpPr>
+          <p:cNvPr id="7" name="Title 1">
+            <a:extLst>
+              <a:ext uri="{FF2B5EF4-FFF2-40B4-BE49-F238E27FC236}">
+                <a16:creationId xmlns:a16="http://schemas.microsoft.com/office/drawing/2014/main" id="{C48EC513-0BAE-9D45-9C8C-FEC83A13B6B5}"/>
+              </a:ext>
+            </a:extLst>
+          </p:cNvPr>
+          <p:cNvSpPr txBox="1">
+            <a:spLocks/>
+          </p:cNvSpPr>
+          <p:nvPr/>
+        </p:nvSpPr>
+        <p:spPr>
+          <a:xfrm>
+            <a:off x="709888" y="825910"/>
+            <a:ext cx="5395557" cy="988569"/>
+          </a:xfrm>
+          <a:prstGeom prst="rect">
+            <a:avLst/>
+          </a:prstGeom>
+        </p:spPr>
+        <p:txBody>
+          <a:bodyPr vert="horz" lIns="91440" tIns="45720" rIns="91440" bIns="45720" rtlCol="0" anchor="b">
+            <a:normAutofit/>
+          </a:bodyPr>
+          <a:lstStyle>
+            <a:lvl1pPr algn="l" defTabSz="388620" rtl="0" eaLnBrk="1" latinLnBrk="0" hangingPunct="1">
+              <a:spcBef>
+                <a:spcPct val="0"/>
+              </a:spcBef>
+              <a:buNone/>
+              <a:defRPr sz="2040" b="0" kern="1200">
+                <a:solidFill>
+                  <a:schemeClr val="accent1"/>
+                </a:solidFill>
+                <a:latin typeface="+mj-lt"/>
+                <a:ea typeface="+mj-ea"/>
+                <a:cs typeface="+mj-cs"/>
+              </a:defRPr>
+            </a:lvl1pPr>
+            <a:lvl2pPr eaLnBrk="1" hangingPunct="1">
+              <a:defRPr>
+                <a:solidFill>
+                  <a:schemeClr val="tx2"/>
+                </a:solidFill>
+              </a:defRPr>
+            </a:lvl2pPr>
+            <a:lvl3pPr eaLnBrk="1" hangingPunct="1">
+              <a:defRPr>
+                <a:solidFill>
+                  <a:schemeClr val="tx2"/>
+                </a:solidFill>
+              </a:defRPr>
+            </a:lvl3pPr>
+            <a:lvl4pPr eaLnBrk="1" hangingPunct="1">
+              <a:defRPr>
+                <a:solidFill>
+                  <a:schemeClr val="tx2"/>
+                </a:solidFill>
+              </a:defRPr>
+            </a:lvl4pPr>
+            <a:lvl5pPr eaLnBrk="1" hangingPunct="1">
+              <a:defRPr>
+                <a:solidFill>
+                  <a:schemeClr val="tx2"/>
+                </a:solidFill>
+              </a:defRPr>
+            </a:lvl5pPr>
+            <a:lvl6pPr eaLnBrk="1" hangingPunct="1">
+              <a:defRPr>
+                <a:solidFill>
+                  <a:schemeClr val="tx2"/>
+                </a:solidFill>
+              </a:defRPr>
+            </a:lvl6pPr>
+            <a:lvl7pPr eaLnBrk="1" hangingPunct="1">
+              <a:defRPr>
+                <a:solidFill>
+                  <a:schemeClr val="tx2"/>
+                </a:solidFill>
+              </a:defRPr>
+            </a:lvl7pPr>
+            <a:lvl8pPr eaLnBrk="1" hangingPunct="1">
+              <a:defRPr>
+                <a:solidFill>
+                  <a:schemeClr val="tx2"/>
+                </a:solidFill>
+              </a:defRPr>
+            </a:lvl8pPr>
+            <a:lvl9pPr eaLnBrk="1" hangingPunct="1">
+              <a:defRPr>
+                <a:solidFill>
+                  <a:schemeClr val="tx2"/>
+                </a:solidFill>
+              </a:defRPr>
+            </a:lvl9pPr>
+          </a:lstStyle>
+          <a:p>
+            <a:r>
+              <a:rPr lang="en-US" dirty="0"/>
+              <a:t>Box Office Revenue for the winner of Best Picture each year</a:t>
+            </a:r>
+          </a:p>
+        </p:txBody>
+      </p:sp>
+      <p:pic>
+        <p:nvPicPr>
+          <p:cNvPr id="2054" name="Picture 6">
+            <a:extLst>
+              <a:ext uri="{FF2B5EF4-FFF2-40B4-BE49-F238E27FC236}">
+                <a16:creationId xmlns:a16="http://schemas.microsoft.com/office/drawing/2014/main" id="{FB6B6C57-3644-B047-B909-3DB74F2ED619}"/>
+              </a:ext>
+            </a:extLst>
+          </p:cNvPr>
+          <p:cNvPicPr>
+            <a:picLocks noChangeAspect="1" noChangeArrowheads="1"/>
+          </p:cNvPicPr>
+          <p:nvPr/>
+        </p:nvPicPr>
+        <p:blipFill>
+          <a:blip r:embed="rId3">
+            <a:extLst>
+              <a:ext uri="{28A0092B-C50C-407E-A947-70E740481C1C}">
+                <a14:useLocalDpi xmlns:a14="http://schemas.microsoft.com/office/drawing/2010/main" val="0"/>
+              </a:ext>
+            </a:extLst>
+          </a:blip>
+          <a:srcRect/>
+          <a:stretch>
+            <a:fillRect/>
+          </a:stretch>
+        </p:blipFill>
+        <p:spPr bwMode="auto">
+          <a:xfrm>
+            <a:off x="214692" y="5868155"/>
+            <a:ext cx="5890753" cy="3999314"/>
           </a:xfrm>
           <a:prstGeom prst="rect">
             <a:avLst/>
@@ -14702,6 +15000,200 @@
   <p:clrMapOvr>
     <a:masterClrMapping/>
   </p:clrMapOvr>
+  <p:timing>
+    <p:tnLst>
+      <p:par>
+        <p:cTn id="1" dur="indefinite" restart="never" nodeType="tmRoot">
+          <p:childTnLst>
+            <p:seq concurrent="1" nextAc="seek">
+              <p:cTn id="2" dur="indefinite" nodeType="mainSeq">
+                <p:childTnLst>
+                  <p:par>
+                    <p:cTn id="3" fill="hold">
+                      <p:stCondLst>
+                        <p:cond delay="indefinite"/>
+                      </p:stCondLst>
+                      <p:childTnLst>
+                        <p:par>
+                          <p:cTn id="4" fill="hold">
+                            <p:stCondLst>
+                              <p:cond delay="0"/>
+                            </p:stCondLst>
+                            <p:childTnLst>
+                              <p:par>
+                                <p:cTn id="5" presetID="2" presetClass="entr" presetSubtype="2" decel="50000" fill="hold" nodeType="clickEffect">
+                                  <p:stCondLst>
+                                    <p:cond delay="0"/>
+                                  </p:stCondLst>
+                                  <p:childTnLst>
+                                    <p:set>
+                                      <p:cBhvr>
+                                        <p:cTn id="6" dur="1" fill="hold">
+                                          <p:stCondLst>
+                                            <p:cond delay="0"/>
+                                          </p:stCondLst>
+                                        </p:cTn>
+                                        <p:tgtEl>
+                                          <p:spTgt spid="1030"/>
+                                        </p:tgtEl>
+                                        <p:attrNameLst>
+                                          <p:attrName>style.visibility</p:attrName>
+                                        </p:attrNameLst>
+                                      </p:cBhvr>
+                                      <p:to>
+                                        <p:strVal val="visible"/>
+                                      </p:to>
+                                    </p:set>
+                                    <p:anim calcmode="lin" valueType="num">
+                                      <p:cBhvr additive="base">
+                                        <p:cTn id="7" dur="2000" fill="hold"/>
+                                        <p:tgtEl>
+                                          <p:spTgt spid="1030"/>
+                                        </p:tgtEl>
+                                        <p:attrNameLst>
+                                          <p:attrName>ppt_x</p:attrName>
+                                        </p:attrNameLst>
+                                      </p:cBhvr>
+                                      <p:tavLst>
+                                        <p:tav tm="0">
+                                          <p:val>
+                                            <p:strVal val="1+#ppt_w/2"/>
+                                          </p:val>
+                                        </p:tav>
+                                        <p:tav tm="100000">
+                                          <p:val>
+                                            <p:strVal val="#ppt_x"/>
+                                          </p:val>
+                                        </p:tav>
+                                      </p:tavLst>
+                                    </p:anim>
+                                    <p:anim calcmode="lin" valueType="num">
+                                      <p:cBhvr additive="base">
+                                        <p:cTn id="8" dur="2000" fill="hold"/>
+                                        <p:tgtEl>
+                                          <p:spTgt spid="1030"/>
+                                        </p:tgtEl>
+                                        <p:attrNameLst>
+                                          <p:attrName>ppt_y</p:attrName>
+                                        </p:attrNameLst>
+                                      </p:cBhvr>
+                                      <p:tavLst>
+                                        <p:tav tm="0">
+                                          <p:val>
+                                            <p:strVal val="#ppt_y"/>
+                                          </p:val>
+                                        </p:tav>
+                                        <p:tav tm="100000">
+                                          <p:val>
+                                            <p:strVal val="#ppt_y"/>
+                                          </p:val>
+                                        </p:tav>
+                                      </p:tavLst>
+                                    </p:anim>
+                                  </p:childTnLst>
+                                </p:cTn>
+                              </p:par>
+                              <p:par>
+                                <p:cTn id="9" presetID="2" presetClass="entr" presetSubtype="8" decel="50000" fill="hold" nodeType="withEffect">
+                                  <p:stCondLst>
+                                    <p:cond delay="500"/>
+                                  </p:stCondLst>
+                                  <p:childTnLst>
+                                    <p:set>
+                                      <p:cBhvr>
+                                        <p:cTn id="10" dur="1" fill="hold">
+                                          <p:stCondLst>
+                                            <p:cond delay="0"/>
+                                          </p:stCondLst>
+                                        </p:cTn>
+                                        <p:tgtEl>
+                                          <p:spTgt spid="2054"/>
+                                        </p:tgtEl>
+                                        <p:attrNameLst>
+                                          <p:attrName>style.visibility</p:attrName>
+                                        </p:attrNameLst>
+                                      </p:cBhvr>
+                                      <p:to>
+                                        <p:strVal val="visible"/>
+                                      </p:to>
+                                    </p:set>
+                                    <p:anim calcmode="lin" valueType="num">
+                                      <p:cBhvr additive="base">
+                                        <p:cTn id="11" dur="1000" fill="hold"/>
+                                        <p:tgtEl>
+                                          <p:spTgt spid="2054"/>
+                                        </p:tgtEl>
+                                        <p:attrNameLst>
+                                          <p:attrName>ppt_x</p:attrName>
+                                        </p:attrNameLst>
+                                      </p:cBhvr>
+                                      <p:tavLst>
+                                        <p:tav tm="0">
+                                          <p:val>
+                                            <p:strVal val="0-#ppt_w/2"/>
+                                          </p:val>
+                                        </p:tav>
+                                        <p:tav tm="100000">
+                                          <p:val>
+                                            <p:strVal val="#ppt_x"/>
+                                          </p:val>
+                                        </p:tav>
+                                      </p:tavLst>
+                                    </p:anim>
+                                    <p:anim calcmode="lin" valueType="num">
+                                      <p:cBhvr additive="base">
+                                        <p:cTn id="12" dur="1000" fill="hold"/>
+                                        <p:tgtEl>
+                                          <p:spTgt spid="2054"/>
+                                        </p:tgtEl>
+                                        <p:attrNameLst>
+                                          <p:attrName>ppt_y</p:attrName>
+                                        </p:attrNameLst>
+                                      </p:cBhvr>
+                                      <p:tavLst>
+                                        <p:tav tm="0">
+                                          <p:val>
+                                            <p:strVal val="#ppt_y"/>
+                                          </p:val>
+                                        </p:tav>
+                                        <p:tav tm="100000">
+                                          <p:val>
+                                            <p:strVal val="#ppt_y"/>
+                                          </p:val>
+                                        </p:tav>
+                                      </p:tavLst>
+                                    </p:anim>
+                                  </p:childTnLst>
+                                </p:cTn>
+                              </p:par>
+                            </p:childTnLst>
+                          </p:cTn>
+                        </p:par>
+                      </p:childTnLst>
+                    </p:cTn>
+                  </p:par>
+                </p:childTnLst>
+              </p:cTn>
+              <p:prevCondLst>
+                <p:cond evt="onPrev" delay="0">
+                  <p:tgtEl>
+                    <p:sldTgt/>
+                  </p:tgtEl>
+                </p:cond>
+              </p:prevCondLst>
+              <p:nextCondLst>
+                <p:cond evt="onNext" delay="0">
+                  <p:tgtEl>
+                    <p:sldTgt/>
+                  </p:tgtEl>
+                </p:cond>
+              </p:nextCondLst>
+            </p:seq>
+          </p:childTnLst>
+        </p:cTn>
+      </p:par>
+    </p:tnLst>
+  </p:timing>
 </p:sld>
 </file>
 
@@ -14765,14 +15257,14 @@
           <p:nvPr>
             <p:extLst>
               <p:ext uri="{D42A27DB-BD31-4B8C-83A1-F6EECF244321}">
-                <p14:modId xmlns:p14="http://schemas.microsoft.com/office/powerpoint/2010/main" val="4233201238"/>
+                <p14:modId xmlns:p14="http://schemas.microsoft.com/office/powerpoint/2010/main" val="3525665466"/>
               </p:ext>
             </p:extLst>
           </p:nvPr>
         </p:nvGraphicFramePr>
         <p:xfrm>
           <a:off x="237745" y="2359742"/>
-          <a:ext cx="5956383" cy="4380265"/>
+          <a:ext cx="5956383" cy="4178254"/>
         </p:xfrm>
         <a:graphic>
           <a:graphicData uri="http://schemas.openxmlformats.org/drawingml/2006/table">
@@ -14810,7 +15302,7 @@
                   </a:extLst>
                 </a:gridCol>
               </a:tblGrid>
-              <a:tr h="192098">
+              <a:tr h="204387">
                 <a:tc>
                   <a:txBody>
                     <a:bodyPr/>
@@ -14909,7 +15401,7 @@
                   </a:ext>
                 </a:extLst>
               </a:tr>
-              <a:tr h="251605">
+              <a:tr h="267701">
                 <a:tc>
                   <a:txBody>
                     <a:bodyPr/>
@@ -14963,12 +15455,12 @@
                     <a:p>
                       <a:pPr algn="r" fontAlgn="b"/>
                       <a:r>
-                        <a:rPr lang="en-US" sz="1200" u="none" strike="noStrike">
+                        <a:rPr lang="en-US" sz="1200" u="none" strike="noStrike" dirty="0">
                           <a:effectLst/>
                         </a:rPr>
                         <a:t>$2,847,246,203 </a:t>
                       </a:r>
-                      <a:endParaRPr lang="en-US" sz="1200" b="0" i="0" u="none" strike="noStrike">
+                      <a:endParaRPr lang="en-US" sz="1200" b="0" i="0" u="none" strike="noStrike" dirty="0">
                         <a:solidFill>
                           <a:srgbClr val="000000"/>
                         </a:solidFill>
@@ -15008,7 +15500,7 @@
                   </a:ext>
                 </a:extLst>
               </a:tr>
-              <a:tr h="251605">
+              <a:tr h="267701">
                 <a:tc>
                   <a:txBody>
                     <a:bodyPr/>
@@ -15107,7 +15599,7 @@
                   </a:ext>
                 </a:extLst>
               </a:tr>
-              <a:tr h="251605">
+              <a:tr h="267701">
                 <a:tc>
                   <a:txBody>
                     <a:bodyPr/>
@@ -15234,7 +15726,7 @@
                   </a:ext>
                 </a:extLst>
               </a:tr>
-              <a:tr h="458651">
+              <a:tr h="260871">
                 <a:tc>
                   <a:txBody>
                     <a:bodyPr/>
@@ -15265,12 +15757,12 @@
                     <a:p>
                       <a:pPr algn="l" fontAlgn="b"/>
                       <a:r>
-                        <a:rPr lang="en-US" sz="1200" u="none" strike="noStrike">
+                        <a:rPr lang="en-US" sz="1200" u="none" strike="noStrike" dirty="0">
                           <a:effectLst/>
                         </a:rPr>
                         <a:t>Star Wars: Episode VII - The Force Awakens</a:t>
                       </a:r>
-                      <a:endParaRPr lang="en-US" sz="1200" b="0" i="0" u="none" strike="noStrike">
+                      <a:endParaRPr lang="en-US" sz="1200" b="0" i="0" u="none" strike="noStrike" dirty="0">
                         <a:solidFill>
                           <a:srgbClr val="000000"/>
                         </a:solidFill>
@@ -15333,7 +15825,7 @@
                   </a:ext>
                 </a:extLst>
               </a:tr>
-              <a:tr h="251605">
+              <a:tr h="267701">
                 <a:tc>
                   <a:txBody>
                     <a:bodyPr/>
@@ -15387,12 +15879,12 @@
                     <a:p>
                       <a:pPr algn="r" fontAlgn="b"/>
                       <a:r>
-                        <a:rPr lang="en-US" sz="1200" u="none" strike="noStrike">
+                        <a:rPr lang="en-US" sz="1200" u="none" strike="noStrike" dirty="0">
                           <a:effectLst/>
                         </a:rPr>
                         <a:t>$2,048,359,754 </a:t>
                       </a:r>
-                      <a:endParaRPr lang="en-US" sz="1200" b="0" i="0" u="none" strike="noStrike">
+                      <a:endParaRPr lang="en-US" sz="1200" b="0" i="0" u="none" strike="noStrike" dirty="0">
                         <a:solidFill>
                           <a:srgbClr val="000000"/>
                         </a:solidFill>
@@ -15432,7 +15924,7 @@
                   </a:ext>
                 </a:extLst>
               </a:tr>
-              <a:tr h="251605">
+              <a:tr h="267701">
                 <a:tc>
                   <a:txBody>
                     <a:bodyPr/>
@@ -15463,12 +15955,12 @@
                     <a:p>
                       <a:pPr algn="l" fontAlgn="b"/>
                       <a:r>
-                        <a:rPr lang="en-US" sz="1200" u="none" strike="noStrike">
+                        <a:rPr lang="en-US" sz="1200" u="none" strike="noStrike" dirty="0">
                           <a:effectLst/>
                         </a:rPr>
                         <a:t>Jurassic World</a:t>
                       </a:r>
-                      <a:endParaRPr lang="en-US" sz="1200" b="0" i="0" u="none" strike="noStrike">
+                      <a:endParaRPr lang="en-US" sz="1200" b="0" i="0" u="none" strike="noStrike" dirty="0">
                         <a:solidFill>
                           <a:srgbClr val="000000"/>
                         </a:solidFill>
@@ -15531,7 +16023,7 @@
                   </a:ext>
                 </a:extLst>
               </a:tr>
-              <a:tr h="251605">
+              <a:tr h="267701">
                 <a:tc>
                   <a:txBody>
                     <a:bodyPr/>
@@ -15630,7 +16122,7 @@
                   </a:ext>
                 </a:extLst>
               </a:tr>
-              <a:tr h="251605">
+              <a:tr h="267701">
                 <a:tc>
                   <a:txBody>
                     <a:bodyPr/>
@@ -15729,7 +16221,7 @@
                   </a:ext>
                 </a:extLst>
               </a:tr>
-              <a:tr h="251605">
+              <a:tr h="267701">
                 <a:tc>
                   <a:txBody>
                     <a:bodyPr/>
@@ -15828,7 +16320,7 @@
                   </a:ext>
                 </a:extLst>
               </a:tr>
-              <a:tr h="251605">
+              <a:tr h="267701">
                 <a:tc>
                   <a:txBody>
                     <a:bodyPr/>
@@ -15927,7 +16419,7 @@
                   </a:ext>
                 </a:extLst>
               </a:tr>
-              <a:tr h="251605">
+              <a:tr h="267701">
                 <a:tc>
                   <a:txBody>
                     <a:bodyPr/>
@@ -16026,7 +16518,7 @@
                   </a:ext>
                 </a:extLst>
               </a:tr>
-              <a:tr h="251605">
+              <a:tr h="267701">
                 <a:tc>
                   <a:txBody>
                     <a:bodyPr/>
@@ -16125,7 +16617,7 @@
                   </a:ext>
                 </a:extLst>
               </a:tr>
-              <a:tr h="458651">
+              <a:tr h="232883">
                 <a:tc>
                   <a:txBody>
                     <a:bodyPr/>
@@ -16224,7 +16716,7 @@
                   </a:ext>
                 </a:extLst>
               </a:tr>
-              <a:tr h="251605">
+              <a:tr h="267701">
                 <a:tc>
                   <a:txBody>
                     <a:bodyPr/>
@@ -16323,7 +16815,7 @@
                   </a:ext>
                 </a:extLst>
               </a:tr>
-              <a:tr h="251605">
+              <a:tr h="267701">
                 <a:tc>
                   <a:txBody>
                     <a:bodyPr/>
@@ -16426,6 +16918,36 @@
           </a:graphicData>
         </a:graphic>
       </p:graphicFrame>
+      <p:pic>
+        <p:nvPicPr>
+          <p:cNvPr id="6" name="Picture 5" descr="Movie Time Chicken">
+            <a:extLst>
+              <a:ext uri="{FF2B5EF4-FFF2-40B4-BE49-F238E27FC236}">
+                <a16:creationId xmlns:a16="http://schemas.microsoft.com/office/drawing/2014/main" id="{F1BBC535-9620-854B-B999-3F71DCB2F0F5}"/>
+              </a:ext>
+            </a:extLst>
+          </p:cNvPr>
+          <p:cNvPicPr>
+            <a:picLocks noChangeAspect="1"/>
+          </p:cNvPicPr>
+          <p:nvPr/>
+        </p:nvPicPr>
+        <p:blipFill>
+          <a:blip r:embed="rId2"/>
+          <a:stretch>
+            <a:fillRect/>
+          </a:stretch>
+        </p:blipFill>
+        <p:spPr>
+          <a:xfrm>
+            <a:off x="0" y="5942926"/>
+            <a:ext cx="4437826" cy="4437826"/>
+          </a:xfrm>
+          <a:prstGeom prst="rect">
+            <a:avLst/>
+          </a:prstGeom>
+        </p:spPr>
+      </p:pic>
     </p:spTree>
     <p:extLst>
       <p:ext uri="{BB962C8B-B14F-4D97-AF65-F5344CB8AC3E}">
@@ -16436,6 +16958,89 @@
   <p:clrMapOvr>
     <a:masterClrMapping/>
   </p:clrMapOvr>
+  <p:timing>
+    <p:tnLst>
+      <p:par>
+        <p:cTn id="1" dur="indefinite" restart="never" nodeType="tmRoot">
+          <p:childTnLst>
+            <p:seq concurrent="1" nextAc="seek">
+              <p:cTn id="2" dur="indefinite" nodeType="mainSeq">
+                <p:childTnLst>
+                  <p:par>
+                    <p:cTn id="3" fill="hold">
+                      <p:stCondLst>
+                        <p:cond delay="indefinite"/>
+                      </p:stCondLst>
+                      <p:childTnLst>
+                        <p:par>
+                          <p:cTn id="4" fill="hold">
+                            <p:stCondLst>
+                              <p:cond delay="0"/>
+                            </p:stCondLst>
+                            <p:childTnLst>
+                              <p:par>
+                                <p:cTn id="5" presetID="3" presetClass="entr" presetSubtype="10" fill="hold" nodeType="clickEffect">
+                                  <p:stCondLst>
+                                    <p:cond delay="0"/>
+                                  </p:stCondLst>
+                                  <p:childTnLst>
+                                    <p:set>
+                                      <p:cBhvr>
+                                        <p:cTn id="6" dur="1" fill="hold">
+                                          <p:stCondLst>
+                                            <p:cond delay="0"/>
+                                          </p:stCondLst>
+                                        </p:cTn>
+                                        <p:tgtEl>
+                                          <p:spTgt spid="7"/>
+                                        </p:tgtEl>
+                                        <p:attrNameLst>
+                                          <p:attrName>style.visibility</p:attrName>
+                                        </p:attrNameLst>
+                                      </p:cBhvr>
+                                      <p:to>
+                                        <p:strVal val="visible"/>
+                                      </p:to>
+                                    </p:set>
+                                    <p:animEffect transition="in" filter="blinds(horizontal)">
+                                      <p:cBhvr>
+                                        <p:cTn id="7" dur="1000"/>
+                                        <p:tgtEl>
+                                          <p:spTgt spid="7"/>
+                                        </p:tgtEl>
+                                      </p:cBhvr>
+                                    </p:animEffect>
+                                  </p:childTnLst>
+                                </p:cTn>
+                              </p:par>
+                            </p:childTnLst>
+                          </p:cTn>
+                        </p:par>
+                      </p:childTnLst>
+                    </p:cTn>
+                  </p:par>
+                </p:childTnLst>
+              </p:cTn>
+              <p:prevCondLst>
+                <p:cond evt="onPrev" delay="0">
+                  <p:tgtEl>
+                    <p:sldTgt/>
+                  </p:tgtEl>
+                </p:cond>
+              </p:prevCondLst>
+              <p:nextCondLst>
+                <p:cond evt="onNext" delay="0">
+                  <p:tgtEl>
+                    <p:sldTgt/>
+                  </p:tgtEl>
+                </p:cond>
+              </p:nextCondLst>
+            </p:seq>
+          </p:childTnLst>
+        </p:cTn>
+      </p:par>
+    </p:tnLst>
+  </p:timing>
 </p:sld>
 </file>
 
@@ -16456,62 +17061,12 @@
           <a:chExt cx="0" cy="0"/>
         </a:xfrm>
       </p:grpSpPr>
-      <p:sp>
-        <p:nvSpPr>
-          <p:cNvPr id="2" name="Title 1">
-            <a:extLst>
-              <a:ext uri="{FF2B5EF4-FFF2-40B4-BE49-F238E27FC236}">
-                <a16:creationId xmlns:a16="http://schemas.microsoft.com/office/drawing/2014/main" id="{D4A54D17-3E88-EB46-89B0-DAA1213BC35D}"/>
-              </a:ext>
-            </a:extLst>
-          </p:cNvPr>
-          <p:cNvSpPr>
-            <a:spLocks noGrp="1"/>
-          </p:cNvSpPr>
-          <p:nvPr>
-            <p:ph type="title"/>
-          </p:nvPr>
-        </p:nvSpPr>
-        <p:spPr/>
-        <p:txBody>
-          <a:bodyPr/>
-          <a:lstStyle/>
-          <a:p>
-            <a:endParaRPr lang="en-US"/>
-          </a:p>
-        </p:txBody>
-      </p:sp>
-      <p:sp>
-        <p:nvSpPr>
-          <p:cNvPr id="4" name="Text Placeholder 3">
-            <a:extLst>
-              <a:ext uri="{FF2B5EF4-FFF2-40B4-BE49-F238E27FC236}">
-                <a16:creationId xmlns:a16="http://schemas.microsoft.com/office/drawing/2014/main" id="{ACB3FB20-0757-1646-A21E-940330AA33C9}"/>
-              </a:ext>
-            </a:extLst>
-          </p:cNvPr>
-          <p:cNvSpPr>
-            <a:spLocks noGrp="1"/>
-          </p:cNvSpPr>
-          <p:nvPr>
-            <p:ph type="body" sz="half" idx="2"/>
-          </p:nvPr>
-        </p:nvSpPr>
-        <p:spPr/>
-        <p:txBody>
-          <a:bodyPr/>
-          <a:lstStyle/>
-          <a:p>
-            <a:endParaRPr lang="en-US"/>
-          </a:p>
-        </p:txBody>
-      </p:sp>
       <p:pic>
         <p:nvPicPr>
-          <p:cNvPr id="3074" name="Picture 2">
+          <p:cNvPr id="1026" name="Picture 2">
             <a:extLst>
               <a:ext uri="{FF2B5EF4-FFF2-40B4-BE49-F238E27FC236}">
-                <a16:creationId xmlns:a16="http://schemas.microsoft.com/office/drawing/2014/main" id="{C3A11107-CF6C-574B-96FA-6BD56A183CBB}"/>
+                <a16:creationId xmlns:a16="http://schemas.microsoft.com/office/drawing/2014/main" id="{99307C59-9B85-5C47-BB99-6AD71F69DAFA}"/>
               </a:ext>
             </a:extLst>
           </p:cNvPr>
@@ -16535,8 +17090,8 @@
         </p:blipFill>
         <p:spPr bwMode="auto">
           <a:xfrm>
-            <a:off x="518160" y="2186304"/>
-            <a:ext cx="5749906" cy="3915759"/>
+            <a:off x="398206" y="2332037"/>
+            <a:ext cx="5776427" cy="3799166"/>
           </a:xfrm>
           <a:prstGeom prst="rect">
             <a:avLst/>
@@ -16553,6 +17108,61 @@
           </a:extLst>
         </p:spPr>
       </p:pic>
+      <p:sp>
+        <p:nvSpPr>
+          <p:cNvPr id="5" name="TextBox 4">
+            <a:extLst>
+              <a:ext uri="{FF2B5EF4-FFF2-40B4-BE49-F238E27FC236}">
+                <a16:creationId xmlns:a16="http://schemas.microsoft.com/office/drawing/2014/main" id="{39A6E9A5-94AC-1344-A369-5E14B60C00E2}"/>
+              </a:ext>
+            </a:extLst>
+          </p:cNvPr>
+          <p:cNvSpPr txBox="1"/>
+          <p:nvPr/>
+        </p:nvSpPr>
+        <p:spPr>
+          <a:xfrm>
+            <a:off x="518159" y="782236"/>
+            <a:ext cx="4925574" cy="830997"/>
+          </a:xfrm>
+          <a:prstGeom prst="rect">
+            <a:avLst/>
+          </a:prstGeom>
+          <a:ln>
+            <a:noFill/>
+          </a:ln>
+        </p:spPr>
+        <p:style>
+          <a:lnRef idx="2">
+            <a:schemeClr val="accent1"/>
+          </a:lnRef>
+          <a:fillRef idx="1">
+            <a:schemeClr val="lt1"/>
+          </a:fillRef>
+          <a:effectRef idx="0">
+            <a:schemeClr val="accent1"/>
+          </a:effectRef>
+          <a:fontRef idx="minor">
+            <a:schemeClr val="dk1"/>
+          </a:fontRef>
+        </p:style>
+        <p:txBody>
+          <a:bodyPr wrap="square" rtlCol="0">
+            <a:spAutoFit/>
+          </a:bodyPr>
+          <a:lstStyle/>
+          <a:p>
+            <a:r>
+              <a:rPr lang="en-US" sz="2400" dirty="0">
+                <a:solidFill>
+                  <a:schemeClr val="accent2"/>
+                </a:solidFill>
+              </a:rPr>
+              <a:t>How did the Best Picture compare to the other movies that year.</a:t>
+            </a:r>
+          </a:p>
+        </p:txBody>
+      </p:sp>
     </p:spTree>
     <p:extLst>
       <p:ext uri="{BB962C8B-B14F-4D97-AF65-F5344CB8AC3E}">
@@ -17341,6 +17951,23 @@
 </file>
 
 <file path=customXml/item1.xml><?xml version="1.0" encoding="utf-8"?>
+<?mso-contentType ?>
+<FormTemplates xmlns="http://schemas.microsoft.com/sharepoint/v3/contenttype/forms">
+  <Display>DocumentLibraryForm</Display>
+  <Edit>DocumentLibraryForm</Edit>
+  <New>DocumentLibraryForm</New>
+</FormTemplates>
+</file>
+
+<file path=customXml/item2.xml><?xml version="1.0" encoding="utf-8"?>
+<p:properties xmlns:p="http://schemas.microsoft.com/office/2006/metadata/properties" xmlns:xsi="http://www.w3.org/2001/XMLSchema-instance" xmlns:pc="http://schemas.microsoft.com/office/infopath/2007/PartnerControls">
+  <documentManagement>
+    <MediaServiceKeyPoints xmlns="ef88797d-310b-4d46-ad9c-0c23fa0c8d45" xsi:nil="true"/>
+  </documentManagement>
+</p:properties>
+</file>
+
+<file path=customXml/item3.xml><?xml version="1.0" encoding="utf-8"?>
 <ct:contentTypeSchema xmlns:ct="http://schemas.microsoft.com/office/2006/metadata/contentType" xmlns:ma="http://schemas.microsoft.com/office/2006/metadata/properties/metaAttributes" ct:_="" ma:_="" ma:contentTypeName="Document" ma:contentTypeID="0x0101005F02E0EF7D44C04B9FA644DBFF45FF6A" ma:contentTypeVersion="13" ma:contentTypeDescription="Create a new document." ma:contentTypeScope="" ma:versionID="206b9469efed5238e3299da57cdc015e">
   <xsd:schema xmlns:xsd="http://www.w3.org/2001/XMLSchema" xmlns:xs="http://www.w3.org/2001/XMLSchema" xmlns:p="http://schemas.microsoft.com/office/2006/metadata/properties" xmlns:ns2="876de33e-aaa5-4507-9b92-b84e676ded0d" xmlns:ns3="ef88797d-310b-4d46-ad9c-0c23fa0c8d45" targetNamespace="http://schemas.microsoft.com/office/2006/metadata/properties" ma:root="true" ma:fieldsID="281ed500249cd3fe925a7af84a8b56c4" ns2:_="" ns3:_="">
     <xsd:import namespace="876de33e-aaa5-4507-9b92-b84e676ded0d"/>
@@ -17563,24 +18190,25 @@
 </ct:contentTypeSchema>
 </file>
 
-<file path=customXml/item2.xml><?xml version="1.0" encoding="utf-8"?>
-<p:properties xmlns:p="http://schemas.microsoft.com/office/2006/metadata/properties" xmlns:xsi="http://www.w3.org/2001/XMLSchema-instance" xmlns:pc="http://schemas.microsoft.com/office/infopath/2007/PartnerControls">
-  <documentManagement>
-    <MediaServiceKeyPoints xmlns="ef88797d-310b-4d46-ad9c-0c23fa0c8d45" xsi:nil="true"/>
-  </documentManagement>
-</p:properties>
+<file path=customXml/itemProps1.xml><?xml version="1.0" encoding="utf-8"?>
+<ds:datastoreItem xmlns:ds="http://schemas.openxmlformats.org/officeDocument/2006/customXml" ds:itemID="{CFB929D3-A7CA-4AB1-8061-FCB8D56D3FEE}">
+  <ds:schemaRefs>
+    <ds:schemaRef ds:uri="http://schemas.microsoft.com/sharepoint/v3/contenttype/forms"/>
+  </ds:schemaRefs>
+</ds:datastoreItem>
 </file>
 
-<file path=customXml/item3.xml><?xml version="1.0" encoding="utf-8"?>
-<?mso-contentType ?>
-<FormTemplates xmlns="http://schemas.microsoft.com/sharepoint/v3/contenttype/forms">
-  <Display>DocumentLibraryForm</Display>
-  <Edit>DocumentLibraryForm</Edit>
-  <New>DocumentLibraryForm</New>
-</FormTemplates>
+<file path=customXml/itemProps2.xml><?xml version="1.0" encoding="utf-8"?>
+<ds:datastoreItem xmlns:ds="http://schemas.openxmlformats.org/officeDocument/2006/customXml" ds:itemID="{52924D36-B4C1-4B06-A9EC-CDCE768B3FD3}">
+  <ds:schemaRefs>
+    <ds:schemaRef ds:uri="http://schemas.microsoft.com/office/2006/metadata/properties"/>
+    <ds:schemaRef ds:uri="http://schemas.microsoft.com/office/infopath/2007/PartnerControls"/>
+    <ds:schemaRef ds:uri="ef88797d-310b-4d46-ad9c-0c23fa0c8d45"/>
+  </ds:schemaRefs>
+</ds:datastoreItem>
 </file>
 
-<file path=customXml/itemProps1.xml><?xml version="1.0" encoding="utf-8"?>
+<file path=customXml/itemProps3.xml><?xml version="1.0" encoding="utf-8"?>
 <ds:datastoreItem xmlns:ds="http://schemas.openxmlformats.org/officeDocument/2006/customXml" ds:itemID="{D4DD53C0-11D2-4509-936F-323E14647893}">
   <ds:schemaRefs>
     <ds:schemaRef ds:uri="http://schemas.microsoft.com/office/2006/metadata/contentType"/>
@@ -17597,22 +18225,4 @@
     <ds:schemaRef ds:uri="http://schemas.microsoft.com/internal/obd"/>
   </ds:schemaRefs>
 </ds:datastoreItem>
-</file>
-
-<file path=customXml/itemProps2.xml><?xml version="1.0" encoding="utf-8"?>
-<ds:datastoreItem xmlns:ds="http://schemas.openxmlformats.org/officeDocument/2006/customXml" ds:itemID="{52924D36-B4C1-4B06-A9EC-CDCE768B3FD3}">
-  <ds:schemaRefs>
-    <ds:schemaRef ds:uri="http://schemas.microsoft.com/office/2006/metadata/properties"/>
-    <ds:schemaRef ds:uri="http://schemas.microsoft.com/office/infopath/2007/PartnerControls"/>
-    <ds:schemaRef ds:uri="ef88797d-310b-4d46-ad9c-0c23fa0c8d45"/>
-  </ds:schemaRefs>
-</ds:datastoreItem>
-</file>
-
-<file path=customXml/itemProps3.xml><?xml version="1.0" encoding="utf-8"?>
-<ds:datastoreItem xmlns:ds="http://schemas.openxmlformats.org/officeDocument/2006/customXml" ds:itemID="{CFB929D3-A7CA-4AB1-8061-FCB8D56D3FEE}">
-  <ds:schemaRefs>
-    <ds:schemaRef ds:uri="http://schemas.microsoft.com/sharepoint/v3/contenttype/forms"/>
-  </ds:schemaRefs>
-</ds:datastoreItem>
 </file>